--- a/Projects/machine-learning-classification/ml-classification.pptx
+++ b/Projects/machine-learning-classification/ml-classification.pptx
@@ -351,7 +351,7 @@
           <a:p>
             <a:fld id="{54AD0FAA-0B82-451B-8E8E-DCC0062946EA}" type="datetimeFigureOut">
               <a:rPr lang="en-IN" smtClean="0"/>
-              <a:t>01-07-2024</a:t>
+              <a:t>06-07-2024</a:t>
             </a:fld>
             <a:endParaRPr lang="en-IN"/>
           </a:p>
@@ -685,7 +685,7 @@
           <a:p>
             <a:fld id="{54AD0FAA-0B82-451B-8E8E-DCC0062946EA}" type="datetimeFigureOut">
               <a:rPr lang="en-IN" smtClean="0"/>
-              <a:t>01-07-2024</a:t>
+              <a:t>06-07-2024</a:t>
             </a:fld>
             <a:endParaRPr lang="en-IN"/>
           </a:p>
@@ -963,7 +963,7 @@
           <a:p>
             <a:fld id="{54AD0FAA-0B82-451B-8E8E-DCC0062946EA}" type="datetimeFigureOut">
               <a:rPr lang="en-IN" smtClean="0"/>
-              <a:t>01-07-2024</a:t>
+              <a:t>06-07-2024</a:t>
             </a:fld>
             <a:endParaRPr lang="en-IN"/>
           </a:p>
@@ -1531,7 +1531,7 @@
           <a:p>
             <a:fld id="{54AD0FAA-0B82-451B-8E8E-DCC0062946EA}" type="datetimeFigureOut">
               <a:rPr lang="en-IN" smtClean="0"/>
-              <a:t>01-07-2024</a:t>
+              <a:t>06-07-2024</a:t>
             </a:fld>
             <a:endParaRPr lang="en-IN"/>
           </a:p>
@@ -1809,7 +1809,7 @@
           <a:p>
             <a:fld id="{54AD0FAA-0B82-451B-8E8E-DCC0062946EA}" type="datetimeFigureOut">
               <a:rPr lang="en-IN" smtClean="0"/>
-              <a:t>01-07-2024</a:t>
+              <a:t>06-07-2024</a:t>
             </a:fld>
             <a:endParaRPr lang="en-IN"/>
           </a:p>
@@ -2371,7 +2371,7 @@
           <a:p>
             <a:fld id="{54AD0FAA-0B82-451B-8E8E-DCC0062946EA}" type="datetimeFigureOut">
               <a:rPr lang="en-IN" smtClean="0"/>
-              <a:t>01-07-2024</a:t>
+              <a:t>06-07-2024</a:t>
             </a:fld>
             <a:endParaRPr lang="en-IN"/>
           </a:p>
@@ -2698,7 +2698,7 @@
           <a:p>
             <a:fld id="{54AD0FAA-0B82-451B-8E8E-DCC0062946EA}" type="datetimeFigureOut">
               <a:rPr lang="en-IN" smtClean="0"/>
-              <a:t>01-07-2024</a:t>
+              <a:t>06-07-2024</a:t>
             </a:fld>
             <a:endParaRPr lang="en-IN"/>
           </a:p>
@@ -2875,7 +2875,7 @@
           <a:p>
             <a:fld id="{54AD0FAA-0B82-451B-8E8E-DCC0062946EA}" type="datetimeFigureOut">
               <a:rPr lang="en-IN" smtClean="0"/>
-              <a:t>01-07-2024</a:t>
+              <a:t>06-07-2024</a:t>
             </a:fld>
             <a:endParaRPr lang="en-IN"/>
           </a:p>
@@ -3113,7 +3113,7 @@
           <a:p>
             <a:fld id="{54AD0FAA-0B82-451B-8E8E-DCC0062946EA}" type="datetimeFigureOut">
               <a:rPr lang="en-IN" smtClean="0"/>
-              <a:t>01-07-2024</a:t>
+              <a:t>06-07-2024</a:t>
             </a:fld>
             <a:endParaRPr lang="en-IN"/>
           </a:p>
@@ -3313,7 +3313,7 @@
           <a:p>
             <a:fld id="{54AD0FAA-0B82-451B-8E8E-DCC0062946EA}" type="datetimeFigureOut">
               <a:rPr lang="en-IN" smtClean="0"/>
-              <a:t>01-07-2024</a:t>
+              <a:t>06-07-2024</a:t>
             </a:fld>
             <a:endParaRPr lang="en-IN"/>
           </a:p>
@@ -3589,7 +3589,7 @@
           <a:p>
             <a:fld id="{54AD0FAA-0B82-451B-8E8E-DCC0062946EA}" type="datetimeFigureOut">
               <a:rPr lang="en-IN" smtClean="0"/>
-              <a:t>01-07-2024</a:t>
+              <a:t>06-07-2024</a:t>
             </a:fld>
             <a:endParaRPr lang="en-IN"/>
           </a:p>
@@ -3855,7 +3855,7 @@
           <a:p>
             <a:fld id="{54AD0FAA-0B82-451B-8E8E-DCC0062946EA}" type="datetimeFigureOut">
               <a:rPr lang="en-IN" smtClean="0"/>
-              <a:t>01-07-2024</a:t>
+              <a:t>06-07-2024</a:t>
             </a:fld>
             <a:endParaRPr lang="en-IN"/>
           </a:p>
@@ -4229,7 +4229,7 @@
           <a:p>
             <a:fld id="{54AD0FAA-0B82-451B-8E8E-DCC0062946EA}" type="datetimeFigureOut">
               <a:rPr lang="en-IN" smtClean="0"/>
-              <a:t>01-07-2024</a:t>
+              <a:t>06-07-2024</a:t>
             </a:fld>
             <a:endParaRPr lang="en-IN"/>
           </a:p>
@@ -4377,7 +4377,7 @@
           <a:p>
             <a:fld id="{54AD0FAA-0B82-451B-8E8E-DCC0062946EA}" type="datetimeFigureOut">
               <a:rPr lang="en-IN" smtClean="0"/>
-              <a:t>01-07-2024</a:t>
+              <a:t>06-07-2024</a:t>
             </a:fld>
             <a:endParaRPr lang="en-IN"/>
           </a:p>
@@ -4502,7 +4502,7 @@
           <a:p>
             <a:fld id="{54AD0FAA-0B82-451B-8E8E-DCC0062946EA}" type="datetimeFigureOut">
               <a:rPr lang="en-IN" smtClean="0"/>
-              <a:t>01-07-2024</a:t>
+              <a:t>06-07-2024</a:t>
             </a:fld>
             <a:endParaRPr lang="en-IN"/>
           </a:p>
@@ -4787,7 +4787,7 @@
           <a:p>
             <a:fld id="{54AD0FAA-0B82-451B-8E8E-DCC0062946EA}" type="datetimeFigureOut">
               <a:rPr lang="en-IN" smtClean="0"/>
-              <a:t>01-07-2024</a:t>
+              <a:t>06-07-2024</a:t>
             </a:fld>
             <a:endParaRPr lang="en-IN"/>
           </a:p>
@@ -5111,7 +5111,7 @@
           <a:p>
             <a:fld id="{54AD0FAA-0B82-451B-8E8E-DCC0062946EA}" type="datetimeFigureOut">
               <a:rPr lang="en-IN" smtClean="0"/>
-              <a:t>01-07-2024</a:t>
+              <a:t>06-07-2024</a:t>
             </a:fld>
             <a:endParaRPr lang="en-IN"/>
           </a:p>
@@ -5325,7 +5325,7 @@
           <a:p>
             <a:fld id="{54AD0FAA-0B82-451B-8E8E-DCC0062946EA}" type="datetimeFigureOut">
               <a:rPr lang="en-IN" smtClean="0"/>
-              <a:t>01-07-2024</a:t>
+              <a:t>06-07-2024</a:t>
             </a:fld>
             <a:endParaRPr lang="en-IN"/>
           </a:p>
@@ -5892,7 +5892,7 @@
         <p:spPr>
           <a:xfrm>
             <a:off x="1524000" y="3031766"/>
-            <a:ext cx="9144000" cy="2847923"/>
+            <a:ext cx="9694606" cy="2847923"/>
           </a:xfrm>
         </p:spPr>
         <p:txBody>
@@ -5902,14 +5902,14 @@
           <a:lstStyle/>
           <a:p>
             <a:r>
-              <a:rPr lang="en-US" sz="2200" dirty="0"/>
+              <a:rPr lang="en-US" sz="2400" dirty="0"/>
               <a:t>Credit Card Fraud Transaction Detection Using Machine Learning</a:t>
             </a:r>
           </a:p>
           <a:p>
             <a:r>
-              <a:rPr lang="en-US" sz="2200" dirty="0"/>
-              <a:t>Comprehensive Analysis and Model Development</a:t>
+              <a:rPr lang="en-US" sz="2200" cap="none" dirty="0"/>
+              <a:t>Comprehensive Analysis And Model Development</a:t>
             </a:r>
           </a:p>
           <a:p>
@@ -6044,7 +6044,7 @@
             <a:pPr algn="l"/>
             <a:r>
               <a:rPr lang="en-US" sz="1900" b="1" cap="none" dirty="0"/>
-              <a:t>Challenges Faced</a:t>
+              <a:t>Challenges faced</a:t>
             </a:r>
           </a:p>
           <a:p>
@@ -6054,7 +6054,7 @@
             </a:pPr>
             <a:r>
               <a:rPr lang="en-US" cap="none" dirty="0"/>
-              <a:t>Upload &amp; Fetch Data From A Remote SQL Server</a:t>
+              <a:t>Upload &amp; fetch data from A remote SQL server</a:t>
             </a:r>
           </a:p>
           <a:p>
@@ -6064,7 +6064,7 @@
             </a:pPr>
             <a:r>
               <a:rPr lang="en-US" cap="none" dirty="0"/>
-              <a:t>Computation Time</a:t>
+              <a:t>Computation time</a:t>
             </a:r>
           </a:p>
           <a:p>
@@ -6078,7 +6078,7 @@
             <a:pPr algn="l"/>
             <a:r>
               <a:rPr lang="en-US" sz="1900" b="1" cap="none" dirty="0"/>
-              <a:t>Solutions Implemented</a:t>
+              <a:t>Solutions implemented</a:t>
             </a:r>
           </a:p>
           <a:p>
@@ -6092,19 +6092,11 @@
             </a:r>
             <a:r>
               <a:rPr lang="en-US" cap="none" dirty="0" err="1"/>
-              <a:t>Neon.Tech</a:t>
+              <a:t>neon.tech</a:t>
             </a:r>
             <a:r>
               <a:rPr lang="en-US" cap="none" dirty="0"/>
-              <a:t> For Uploading And Fetching The Data From The </a:t>
-            </a:r>
-            <a:r>
-              <a:rPr lang="en-US" cap="none" dirty="0" err="1"/>
-              <a:t>Postgresql</a:t>
-            </a:r>
-            <a:r>
-              <a:rPr lang="en-US" cap="none" dirty="0"/>
-              <a:t> Database.</a:t>
+              <a:t> for uploading and fetching the data from the PostgreSQL database.</a:t>
             </a:r>
           </a:p>
           <a:p>
@@ -6114,7 +6106,7 @@
             </a:pPr>
             <a:r>
               <a:rPr lang="en-US" cap="none" dirty="0"/>
-              <a:t>To Decrease The Computation Time Installed Nvidia Rapids Library Which Enables Us To Use The GPU Instead Of CPU For Machine Learning Model.</a:t>
+              <a:t>To decrease the computation time installed NVIDIA Rapids library which enables us to use the GPU instead of CPU for machine learning model.</a:t>
             </a:r>
           </a:p>
           <a:p>
@@ -6125,7 +6117,7 @@
             <a:pPr algn="l"/>
             <a:r>
               <a:rPr lang="en-US" sz="1900" b="1" cap="none" dirty="0"/>
-              <a:t>Key Learnings And Takeaways</a:t>
+              <a:t>Key learnings and takeaways</a:t>
             </a:r>
           </a:p>
           <a:p>
@@ -6142,15 +6134,7 @@
             </a:r>
             <a:r>
               <a:rPr lang="en-US" cap="none" dirty="0"/>
-              <a:t> Provides A Robust Platform For Managing </a:t>
-            </a:r>
-            <a:r>
-              <a:rPr lang="en-US" cap="none" dirty="0" err="1"/>
-              <a:t>Postgresql</a:t>
-            </a:r>
-            <a:r>
-              <a:rPr lang="en-US" cap="none" dirty="0"/>
-              <a:t> Databases, Offering Features That Streamline The Process Of Uploading And Fetching Data.</a:t>
+              <a:t> provides a robust platform for managing PostgreSQL databases, offering features that streamline the process of uploading and fetching data.</a:t>
             </a:r>
             <a:endParaRPr lang="en-US" b="1" cap="none" dirty="0"/>
           </a:p>
@@ -6164,15 +6148,7 @@
             </a:pPr>
             <a:r>
               <a:rPr lang="en-US" cap="none" dirty="0"/>
-              <a:t>Large-scale Machine Learning Tasks, Such As Training Models On Millions Of Rows, Can Be Computationally Intensive And Time-consuming, Especially When Using Traditional </a:t>
-            </a:r>
-            <a:r>
-              <a:rPr lang="en-US" cap="none" dirty="0" err="1"/>
-              <a:t>Cpu</a:t>
-            </a:r>
-            <a:r>
-              <a:rPr lang="en-US" cap="none" dirty="0"/>
-              <a:t>-based Processing.</a:t>
+              <a:t>Large-scale machine learning tasks, such as training models on millions of rows, can be computationally intensive and time-consuming, especially when using traditional CPU-based processing.</a:t>
             </a:r>
           </a:p>
           <a:p>
@@ -6185,15 +6161,7 @@
             </a:pPr>
             <a:r>
               <a:rPr lang="en-US" cap="none" dirty="0"/>
-              <a:t>Integrating </a:t>
-            </a:r>
-            <a:r>
-              <a:rPr lang="en-US" cap="none" dirty="0" err="1"/>
-              <a:t>Gpu</a:t>
-            </a:r>
-            <a:r>
-              <a:rPr lang="en-US" cap="none" dirty="0"/>
-              <a:t>-based Processing Through Libraries Like Nvidia Rapids Can Lead To Significant Improvements In Performance</a:t>
+              <a:t>Integrating GPU-based processing through libraries like NVIDIA Rapids can lead to significant improvements in performance</a:t>
             </a:r>
             <a:endParaRPr lang="en-IN" cap="none" dirty="0"/>
           </a:p>
@@ -6292,77 +6260,77 @@
           <a:p>
             <a:pPr algn="l"/>
             <a:r>
-              <a:rPr lang="en-US" b="1" dirty="0"/>
-              <a:t>Summary of Findings</a:t>
-            </a:r>
-            <a:endParaRPr lang="en-US" dirty="0"/>
+              <a:rPr lang="en-US" b="1" cap="none" dirty="0"/>
+              <a:t>Summary of findings</a:t>
+            </a:r>
+            <a:endParaRPr lang="en-US" cap="none" dirty="0"/>
           </a:p>
           <a:p>
             <a:pPr algn="l"/>
             <a:r>
-              <a:rPr lang="en-US" dirty="0"/>
+              <a:rPr lang="en-US" cap="none" dirty="0"/>
               <a:t>During the training of various models for this problem statement, we observed that:</a:t>
             </a:r>
           </a:p>
           <a:p>
             <a:pPr algn="l"/>
             <a:r>
-              <a:rPr lang="en-US" dirty="0"/>
+              <a:rPr lang="en-US" cap="none" dirty="0"/>
               <a:t>- Hyperparameter tuning does not always result in a model with higher accuracy.</a:t>
             </a:r>
           </a:p>
           <a:p>
             <a:pPr algn="l"/>
             <a:r>
-              <a:rPr lang="en-US" dirty="0"/>
-              <a:t>- Models trained using GPUs can significantly reduce training time. However, training the same models on a normal CPU can sometimes decrease their efficiency.</a:t>
+              <a:rPr lang="en-US" cap="none" dirty="0"/>
+              <a:t>- Models trained using GPU’s can significantly reduce training time. However, the trained models can sometimes decrease their efficiency/performance.</a:t>
             </a:r>
           </a:p>
           <a:p>
             <a:pPr algn="l"/>
-            <a:endParaRPr lang="en-US" dirty="0"/>
+            <a:endParaRPr lang="en-US" cap="none" dirty="0"/>
           </a:p>
           <a:p>
             <a:pPr algn="l"/>
             <a:r>
-              <a:rPr lang="en-US" b="1" dirty="0"/>
-              <a:t>Benefits of the Model to the Client</a:t>
-            </a:r>
-            <a:endParaRPr lang="en-US" dirty="0"/>
+              <a:rPr lang="en-US" b="1" cap="none" dirty="0"/>
+              <a:t>Benefits of the model to the client</a:t>
+            </a:r>
+            <a:endParaRPr lang="en-US" cap="none" dirty="0"/>
           </a:p>
           <a:p>
             <a:pPr algn="l"/>
             <a:r>
-              <a:rPr lang="en-US" dirty="0"/>
+              <a:rPr lang="en-US" cap="none" dirty="0"/>
               <a:t>- The trained model will serve as an effective tool for detecting fraudulent credit card transactions in real-time, thereby preventing financial losses and enhancing security for both the credit card company and its customers.</a:t>
             </a:r>
           </a:p>
           <a:p>
             <a:pPr algn="l"/>
             <a:r>
-              <a:rPr lang="en-US" dirty="0"/>
+              <a:rPr lang="en-US" cap="none" dirty="0"/>
               <a:t>- By accurately identifying fraudulent transactions, the model can trigger alerts or take preventive actions to mitigate potential risks.</a:t>
             </a:r>
           </a:p>
           <a:p>
             <a:pPr algn="l"/>
-            <a:endParaRPr lang="en-US" dirty="0"/>
+            <a:endParaRPr lang="en-US" cap="none" dirty="0"/>
           </a:p>
           <a:p>
             <a:pPr algn="l"/>
             <a:r>
-              <a:rPr lang="en-US" b="1" dirty="0"/>
-              <a:t>Future Improvements and Next Steps</a:t>
-            </a:r>
-            <a:endParaRPr lang="en-US" dirty="0"/>
+              <a:rPr lang="en-US" b="1" cap="none" dirty="0"/>
+              <a:t>Future improvements and next steps</a:t>
+            </a:r>
+            <a:endParaRPr lang="en-US" cap="none" dirty="0"/>
           </a:p>
           <a:p>
             <a:pPr algn="l"/>
             <a:r>
-              <a:rPr lang="en-US" dirty="0"/>
+              <a:rPr lang="en-US" cap="none" dirty="0"/>
               <a:t>- This model will be continuously monitored and updated with new data to ensure its performance and adaptability to emerging fraud patterns.</a:t>
             </a:r>
-            <a:endParaRPr lang="en-IN" dirty="0"/>
+            <a:endParaRPr lang="en-IN" cap="none" dirty="0"/>
           </a:p>
         </p:txBody>
       </p:sp>
@@ -6460,7 +6428,7 @@
             <a:pPr algn="l"/>
             <a:r>
               <a:rPr lang="en-US" sz="2000" b="1" cap="none" dirty="0"/>
-              <a:t>Overview Of The Project:</a:t>
+              <a:t>Overview of the project:</a:t>
             </a:r>
             <a:endParaRPr lang="en-US" b="1" cap="none" dirty="0"/>
           </a:p>
@@ -6468,7 +6436,7 @@
             <a:pPr algn="l"/>
             <a:r>
               <a:rPr lang="en-US" cap="none" dirty="0"/>
-              <a:t>Develop A Machine Learning Model For Credit Card Transaction Fraud Detection Using Historical Transaction Data.</a:t>
+              <a:t>Develop a machine learning model for credit card transaction fraud detection using historical transaction data.</a:t>
             </a:r>
             <a:br>
               <a:rPr lang="en-US" cap="none" dirty="0"/>
@@ -6479,7 +6447,7 @@
             <a:pPr algn="l"/>
             <a:r>
               <a:rPr lang="en-US" sz="2000" b="1" cap="none" dirty="0"/>
-              <a:t>Importance Of Detecting Credit Card Fraud:</a:t>
+              <a:t>Importance of detecting credit card fraud:</a:t>
             </a:r>
           </a:p>
           <a:p>
@@ -6489,7 +6457,7 @@
             </a:pPr>
             <a:r>
               <a:rPr lang="en-US" cap="none" dirty="0"/>
-              <a:t>Credit Card Fraud Leads To Significant Financial Losses For Both Consumers And Financial Institutions.</a:t>
+              <a:t>Credit card fraud leads to significant financial losses for both consumers and financial institutions.</a:t>
             </a:r>
           </a:p>
           <a:p>
@@ -6499,7 +6467,7 @@
             </a:pPr>
             <a:r>
               <a:rPr lang="en-US" cap="none" dirty="0"/>
-              <a:t>Fraudulent Transactions Can Severely Impact Consumer Trust In Financial Institutions. Quick Detection And Prevention Of Fraud Can Enhance Customer Satisfaction And Trust</a:t>
+              <a:t>Fraudulent transactions can severely impact consumer trust in financial institutions. Quick detection and prevention of fraud can enhance customer satisfaction and trust.</a:t>
             </a:r>
           </a:p>
           <a:p>
@@ -6520,7 +6488,7 @@
             <a:pPr algn="l"/>
             <a:r>
               <a:rPr lang="en-US" cap="none" dirty="0"/>
-              <a:t>To Develop A Machine Learning Model That Can Accurately Detect Fraudulent Credit Card Transactions.</a:t>
+              <a:t>To develop A machine learning model that can accurately detect fraudulent credit card transactions.</a:t>
             </a:r>
             <a:endParaRPr lang="en-IN" cap="none" dirty="0"/>
           </a:p>
@@ -6620,24 +6588,32 @@
             <a:pPr algn="l"/>
             <a:r>
               <a:rPr lang="en-US" sz="2000" b="1" cap="none" dirty="0"/>
-              <a:t>Sources Of Data:</a:t>
+              <a:t>Sources of data:</a:t>
             </a:r>
           </a:p>
           <a:p>
             <a:pPr algn="l"/>
             <a:r>
               <a:rPr lang="en-US" cap="none" dirty="0"/>
-              <a:t>The Data Is Been Collected From The Kaggle. Please </a:t>
+              <a:t>The data is been collected from the </a:t>
+            </a:r>
+            <a:r>
+              <a:rPr lang="en-US" cap="none" dirty="0" err="1"/>
+              <a:t>kaggle</a:t>
+            </a:r>
+            <a:r>
+              <a:rPr lang="en-US" cap="none" dirty="0"/>
+              <a:t>. Please </a:t>
             </a:r>
             <a:r>
               <a:rPr lang="en-US" cap="none" dirty="0">
                 <a:hlinkClick r:id="rId2"/>
               </a:rPr>
-              <a:t>Click Here</a:t>
+              <a:t>click here</a:t>
             </a:r>
             <a:r>
               <a:rPr lang="en-US" cap="none" dirty="0"/>
-              <a:t> For The Source Of The Data.</a:t>
+              <a:t> for the source of the data.</a:t>
             </a:r>
           </a:p>
           <a:p>
@@ -6648,30 +6624,30 @@
             <a:pPr algn="l"/>
             <a:r>
               <a:rPr lang="en-US" sz="2000" b="1" cap="none" dirty="0"/>
-              <a:t>Types Of Data Collected:</a:t>
+              <a:t>Types of data collected:</a:t>
             </a:r>
           </a:p>
           <a:p>
             <a:pPr algn="l"/>
             <a:r>
               <a:rPr lang="en-US" cap="none" dirty="0"/>
-              <a:t>The Data Is Available In Two Sets (</a:t>
+              <a:t>The data is available in two sets (</a:t>
             </a:r>
             <a:r>
               <a:rPr lang="en-US" cap="none" dirty="0" err="1"/>
-              <a:t>Fraudtest</a:t>
+              <a:t>fraudtest</a:t>
             </a:r>
             <a:r>
               <a:rPr lang="en-US" cap="none" dirty="0"/>
-              <a:t> And </a:t>
+              <a:t> and </a:t>
             </a:r>
             <a:r>
               <a:rPr lang="en-US" cap="none" dirty="0" err="1"/>
-              <a:t>Fraudtrain</a:t>
+              <a:t>fraudtrain</a:t>
             </a:r>
             <a:r>
               <a:rPr lang="en-US" cap="none" dirty="0"/>
-              <a:t>) Of Csv File. </a:t>
+              <a:t>) of csv file. </a:t>
             </a:r>
           </a:p>
           <a:p>
@@ -6682,7 +6658,7 @@
             <a:pPr algn="l"/>
             <a:r>
               <a:rPr lang="en-US" sz="2000" b="1" cap="none" dirty="0"/>
-              <a:t>Volume And Timeframe Of Data:</a:t>
+              <a:t>Volume and timeframe of data:</a:t>
             </a:r>
           </a:p>
           <a:p>
@@ -6692,7 +6668,7 @@
             </a:pPr>
             <a:r>
               <a:rPr lang="en-US" cap="none" dirty="0"/>
-              <a:t>Both The Files Consists Of 23 Features.</a:t>
+              <a:t>Both the files consists of 23 features.</a:t>
             </a:r>
           </a:p>
           <a:p>
@@ -6701,12 +6677,8 @@
               <a:buChar char="•"/>
             </a:pPr>
             <a:r>
-              <a:rPr lang="en-US" cap="none" dirty="0" err="1"/>
-              <a:t>Fraudtest.Csv</a:t>
-            </a:r>
-            <a:r>
               <a:rPr lang="en-US" cap="none" dirty="0"/>
-              <a:t> Is Of Size 150.35 MB, Having 555719</a:t>
+              <a:t>Fraudtest.csv is of size 150.35 MB, having 555719</a:t>
             </a:r>
           </a:p>
           <a:p>
@@ -6715,12 +6687,8 @@
               <a:buChar char="•"/>
             </a:pPr>
             <a:r>
-              <a:rPr lang="en-US" cap="none" dirty="0" err="1"/>
-              <a:t>Fraudtrain.Csv</a:t>
-            </a:r>
-            <a:r>
               <a:rPr lang="en-US" cap="none" dirty="0"/>
-              <a:t> Is Of Size 351.24 MB, Having 1296675 Rows</a:t>
+              <a:t>Fraudtrain.csv is of size 351.24 MB, having 1296675 rows</a:t>
             </a:r>
           </a:p>
           <a:p>
@@ -6729,12 +6697,12 @@
               <a:buChar char="•"/>
             </a:pPr>
             <a:r>
-              <a:rPr lang="en-US" cap="none" dirty="0"/>
-              <a:t>Key Features: </a:t>
+              <a:rPr lang="en-US" b="1" cap="none" dirty="0"/>
+              <a:t>Key features: </a:t>
             </a:r>
             <a:r>
               <a:rPr lang="en-IN" cap="none" dirty="0"/>
-              <a:t>Merchant</a:t>
+              <a:t>merchant</a:t>
             </a:r>
             <a:r>
               <a:rPr lang="en-US" cap="none" dirty="0"/>
@@ -6742,15 +6710,15 @@
             </a:r>
             <a:r>
               <a:rPr lang="en-IN" cap="none" dirty="0"/>
-              <a:t>Category</a:t>
+              <a:t>category</a:t>
             </a:r>
             <a:r>
               <a:rPr lang="en-US" cap="none" dirty="0"/>
-              <a:t>, Amt, City, State, Zip, </a:t>
+              <a:t>, amt, city, state, zip, </a:t>
             </a:r>
             <a:r>
               <a:rPr lang="en-US" cap="none" dirty="0" err="1"/>
-              <a:t>Mechant_lat</a:t>
+              <a:t>mechant_lat</a:t>
             </a:r>
             <a:r>
               <a:rPr lang="en-US" cap="none" dirty="0"/>
@@ -6758,7 +6726,7 @@
             </a:r>
             <a:r>
               <a:rPr lang="en-US" cap="none" dirty="0" err="1"/>
-              <a:t>Merchant_long</a:t>
+              <a:t>merchant_long</a:t>
             </a:r>
             <a:r>
               <a:rPr lang="en-US" cap="none" dirty="0"/>
@@ -6766,7 +6734,7 @@
             </a:r>
             <a:r>
               <a:rPr lang="en-US" cap="none" dirty="0" err="1"/>
-              <a:t>Is_fraud</a:t>
+              <a:t>is_fraud</a:t>
             </a:r>
             <a:endParaRPr lang="en-IN" cap="none" dirty="0"/>
           </a:p>
@@ -6868,7 +6836,7 @@
             <a:pPr algn="l"/>
             <a:r>
               <a:rPr lang="en-US" sz="2000" b="1" cap="none" dirty="0"/>
-              <a:t>The Data Consists Of Following Types:</a:t>
+              <a:t>The data consists of following types:</a:t>
             </a:r>
           </a:p>
           <a:p>
@@ -6878,7 +6846,7 @@
             </a:pPr>
             <a:r>
               <a:rPr lang="en-US" cap="none" dirty="0"/>
-              <a:t>11 Integers/Float</a:t>
+              <a:t>11 integers/float</a:t>
             </a:r>
           </a:p>
           <a:p>
@@ -6888,7 +6856,7 @@
             </a:pPr>
             <a:r>
               <a:rPr lang="en-US" cap="none" dirty="0"/>
-              <a:t>12 Objects</a:t>
+              <a:t>12 objects</a:t>
             </a:r>
           </a:p>
           <a:p>
@@ -6898,7 +6866,7 @@
             </a:pPr>
             <a:r>
               <a:rPr lang="en-US" cap="none" dirty="0"/>
-              <a:t>0 Null Values</a:t>
+              <a:t>0 null values</a:t>
             </a:r>
           </a:p>
           <a:p>
@@ -6909,15 +6877,15 @@
             <a:pPr algn="l"/>
             <a:r>
               <a:rPr lang="en-US" sz="2000" b="1" cap="none" dirty="0"/>
-              <a:t>Out Of 23 Features We Will Be Using 8 Key Features - </a:t>
+              <a:t>Out of 23 features we will be using 8 key features - </a:t>
             </a:r>
             <a:r>
               <a:rPr lang="en-US" cap="none" dirty="0"/>
-              <a:t>Merchant, Category, Amt, City, State, Zip, </a:t>
+              <a:t>merchant, category, amt, city, state, zip, </a:t>
             </a:r>
             <a:r>
               <a:rPr lang="en-US" cap="none" dirty="0" err="1"/>
-              <a:t>Merchant_lat</a:t>
+              <a:t>merchant_lat</a:t>
             </a:r>
             <a:r>
               <a:rPr lang="en-US" cap="none" dirty="0"/>
@@ -6925,7 +6893,7 @@
             </a:r>
             <a:r>
               <a:rPr lang="en-US" cap="none" dirty="0" err="1"/>
-              <a:t>Merchant_long</a:t>
+              <a:t>merchant_long</a:t>
             </a:r>
             <a:r>
               <a:rPr lang="en-US" cap="none" dirty="0"/>
@@ -6933,7 +6901,7 @@
             </a:r>
             <a:r>
               <a:rPr lang="en-US" cap="none" dirty="0" err="1"/>
-              <a:t>Is_fraud</a:t>
+              <a:t>is_fraud</a:t>
             </a:r>
             <a:r>
               <a:rPr lang="en-US" cap="none" dirty="0"/>
@@ -6948,7 +6916,7 @@
             <a:pPr algn="l"/>
             <a:r>
               <a:rPr lang="en-US" sz="2000" b="1" cap="none" dirty="0"/>
-              <a:t>Encode Categorical Values </a:t>
+              <a:t>Encode categorical values </a:t>
             </a:r>
           </a:p>
           <a:p>
@@ -6958,11 +6926,11 @@
             </a:pPr>
             <a:r>
               <a:rPr lang="en-IN" cap="none" dirty="0"/>
-              <a:t>For Merchant Feature We Have Used </a:t>
+              <a:t>For merchant feature we have used </a:t>
             </a:r>
             <a:r>
               <a:rPr lang="en-IN" b="1" cap="none" dirty="0" err="1"/>
-              <a:t>Target_encode</a:t>
+              <a:t>target_encode</a:t>
             </a:r>
             <a:r>
               <a:rPr lang="en-IN" b="1" cap="none" dirty="0"/>
@@ -6970,7 +6938,7 @@
             </a:r>
             <a:r>
               <a:rPr lang="en-IN" cap="none" dirty="0"/>
-              <a:t>Because Of High-cardinality.</a:t>
+              <a:t>because of high-cardinality.</a:t>
             </a:r>
             <a:endParaRPr lang="en-IN" b="1" cap="none" dirty="0"/>
           </a:p>
@@ -6981,7 +6949,7 @@
             </a:pPr>
             <a:r>
               <a:rPr lang="en-IN" cap="none" dirty="0"/>
-              <a:t>For Category, City, State We Have Used Label Encoder</a:t>
+              <a:t>For category, city, state we have used label encoder.</a:t>
             </a:r>
             <a:endParaRPr lang="en-US" cap="none" dirty="0"/>
           </a:p>
@@ -7056,41 +7024,29 @@
           <a:p>
             <a:pPr algn="l"/>
             <a:r>
-              <a:rPr lang="en-US" cap="none" dirty="0"/>
-              <a:t>The Training Dataset Is Imbalanced. We Have 1,289,169 Non-fraudulent Transactions And Only 7,506 Fraudulent Transactions.</a:t>
+              <a:rPr lang="en-US" sz="2000" cap="none" dirty="0"/>
+              <a:t>The training dataset is imbalanced. We have 1,289,169 non-fraudulent transactions and only 7,506 fraudulent transactions.</a:t>
             </a:r>
           </a:p>
           <a:p>
             <a:pPr algn="l"/>
             <a:br>
-              <a:rPr lang="en-US" cap="none" dirty="0"/>
+              <a:rPr lang="en-US" sz="2000" cap="none" dirty="0"/>
             </a:br>
             <a:r>
-              <a:rPr lang="en-US" cap="none" dirty="0"/>
-              <a:t>To Address This, We Have Used A Combination Of Synthetic Minority Over-sampling Technique (Smote) And Edited Nearest Neighbors (Enn), Which Is Known As </a:t>
-            </a:r>
-            <a:r>
-              <a:rPr lang="en-US" cap="none" dirty="0" err="1"/>
-              <a:t>Smoteenn</a:t>
-            </a:r>
-            <a:r>
-              <a:rPr lang="en-US" cap="none" dirty="0"/>
-              <a:t>. </a:t>
+              <a:rPr lang="en-US" sz="2000" cap="none" dirty="0"/>
+              <a:t>To address this, we have used a combination of Synthetic Minority Over-sampling Technique (SMOTE) and Edited Nearest Neighbors (ENN), which is known as SMOTEENN. </a:t>
             </a:r>
           </a:p>
           <a:p>
             <a:pPr algn="l"/>
-            <a:endParaRPr lang="en-US" cap="none" dirty="0"/>
+            <a:endParaRPr lang="en-US" sz="2000" cap="none" dirty="0"/>
           </a:p>
           <a:p>
             <a:pPr algn="l"/>
             <a:r>
-              <a:rPr lang="en-US" cap="none" dirty="0" err="1"/>
-              <a:t>Smoteenn</a:t>
-            </a:r>
-            <a:r>
-              <a:rPr lang="en-US" cap="none" dirty="0"/>
-              <a:t> Helps Balance The Dataset By Generating Synthetic Samples For The Minority Class And Then Cleaning The Dataset By Removing Samples That Are Difficult To Classify.</a:t>
+              <a:rPr lang="en-US" sz="2000" cap="none" dirty="0"/>
+              <a:t>SMOTEENN helps balance the dataset by generating synthetic samples for the minority class and then cleaning the dataset by removing samples that are difficult to classify.</a:t>
             </a:r>
           </a:p>
         </p:txBody>
@@ -7498,7 +7454,7 @@
             <a:pPr algn="l"/>
             <a:r>
               <a:rPr lang="en-US" sz="2000" b="1" cap="none" dirty="0"/>
-              <a:t>List Of Different Models Tried</a:t>
+              <a:t>List of different models tried</a:t>
             </a:r>
           </a:p>
           <a:p>
@@ -7512,7 +7468,7 @@
             </a:r>
             <a:r>
               <a:rPr lang="en-US" cap="none" dirty="0"/>
-              <a:t>- A Linear Model Used For Binary Classification That Estimates The Probability Of A Binary Outcome Based On One Or More Predictor Variables</a:t>
+              <a:t>- A linear model used for binary classification that estimates the probability of A binary outcome based on one or more predictor variables</a:t>
             </a:r>
           </a:p>
           <a:p>
@@ -7526,7 +7482,7 @@
             </a:r>
             <a:r>
               <a:rPr lang="en-US" cap="none" dirty="0"/>
-              <a:t>- A Predictive Model That Uses A Tree-like Structure Of Decisions And Their Possible Consequences</a:t>
+              <a:t>- A predictive model that uses A tree-like structure of decisions and their possible consequences</a:t>
             </a:r>
           </a:p>
           <a:p>
@@ -7540,7 +7496,7 @@
             </a:r>
             <a:r>
               <a:rPr lang="en-US" cap="none" dirty="0"/>
-              <a:t>- An Ensemble Learning Method That Uses Multiple Decision Trees To Improve Predictive Performance And Control Overfitting.</a:t>
+              <a:t>- an ensemble learning method that uses multiple decision trees to improve predictive performance and control overfitting.</a:t>
             </a:r>
           </a:p>
           <a:p>
@@ -7554,7 +7510,7 @@
             </a:r>
             <a:r>
               <a:rPr lang="en-US" cap="none" dirty="0"/>
-              <a:t>- An Ensemble Technique That Builds Models Sequentially, Each One Correcting Errors Of The Previous One, To Improve Accuracy.</a:t>
+              <a:t>- an ensemble technique that builds models sequentially, each one correcting errors of the previous one, to improve accuracy.</a:t>
             </a:r>
           </a:p>
           <a:p>
@@ -7572,7 +7528,7 @@
             </a:r>
             <a:r>
               <a:rPr lang="en-US" cap="none" dirty="0"/>
-              <a:t>- An Optimized Gradient Boosting Library Designed For Speed And Performance, Widely Used For Structured Or Tabular Data.</a:t>
+              <a:t>- an optimized gradient boosting library designed for speed and performance, widely used for structured or tabular data.</a:t>
             </a:r>
             <a:br>
               <a:rPr lang="en-US" cap="none" dirty="0"/>
@@ -7594,11 +7550,11 @@
             </a:pPr>
             <a:r>
               <a:rPr lang="en-US" cap="none" dirty="0"/>
-              <a:t> Data Preprocessing And Normalization Using </a:t>
+              <a:t> Data preprocessing and normalization using </a:t>
             </a:r>
             <a:r>
               <a:rPr lang="en-US" cap="none" dirty="0" err="1"/>
-              <a:t>Minmaxscaler</a:t>
+              <a:t>MinMaxscaler</a:t>
             </a:r>
             <a:endParaRPr lang="en-US" cap="none" dirty="0"/>
           </a:p>
@@ -7609,11 +7565,11 @@
             </a:pPr>
             <a:r>
               <a:rPr lang="en-US" cap="none" dirty="0"/>
-              <a:t> Hyperparameter Tuning Using </a:t>
+              <a:t> Hyperparameter tuning using </a:t>
             </a:r>
             <a:r>
               <a:rPr lang="en-US" cap="none" dirty="0" err="1"/>
-              <a:t>Gridsearchcv</a:t>
+              <a:t>GridSearchCV</a:t>
             </a:r>
             <a:endParaRPr lang="en-US" cap="none" dirty="0"/>
           </a:p>
@@ -7624,7 +7580,7 @@
             </a:pPr>
             <a:r>
               <a:rPr lang="en-US" cap="none" dirty="0"/>
-              <a:t> Evaluation Of Model Performance On Test Data</a:t>
+              <a:t> Evaluation of model performance on test data</a:t>
             </a:r>
           </a:p>
         </p:txBody>
@@ -7677,7 +7633,7 @@
         </p:nvSpPr>
         <p:spPr>
           <a:xfrm>
-            <a:off x="0" y="-974213"/>
+            <a:off x="0" y="-1268963"/>
             <a:ext cx="12192000" cy="2387600"/>
           </a:xfrm>
         </p:spPr>
@@ -7710,38 +7666,38 @@
         </p:nvSpPr>
         <p:spPr>
           <a:xfrm>
-            <a:off x="1179871" y="1494504"/>
-            <a:ext cx="9144000" cy="5289754"/>
+            <a:off x="88490" y="1413387"/>
+            <a:ext cx="8504904" cy="5289754"/>
           </a:xfrm>
         </p:spPr>
         <p:txBody>
           <a:bodyPr>
-            <a:normAutofit lnSpcReduction="10000"/>
+            <a:normAutofit fontScale="92500" lnSpcReduction="10000"/>
           </a:bodyPr>
           <a:lstStyle/>
           <a:p>
             <a:pPr algn="l"/>
             <a:r>
               <a:rPr lang="en-US" sz="2000" b="1" cap="none" dirty="0"/>
-              <a:t>Performance Metrics:</a:t>
+              <a:t>Performance metrics:</a:t>
             </a:r>
             <a:r>
               <a:rPr lang="en-US" sz="1800" cap="none" dirty="0"/>
-              <a:t> Accuracy Score, Classification Report, And Confusion Matrix.</a:t>
+              <a:t> accuracy score, classification report, and confusion matrix.</a:t>
             </a:r>
           </a:p>
           <a:p>
             <a:pPr algn="l"/>
             <a:r>
               <a:rPr lang="en-US" sz="2000" b="1" cap="none" dirty="0"/>
-              <a:t>Comparison Of Models:</a:t>
+              <a:t>Comparison of models:</a:t>
             </a:r>
           </a:p>
           <a:p>
             <a:pPr algn="l"/>
             <a:r>
               <a:rPr lang="en-US" sz="1800" cap="none" dirty="0"/>
-              <a:t>We Have Tried Multiple ML Models, As Listed In The Previous Slide. Out Of Those, The Following Two Models Have Performed The Best:</a:t>
+              <a:t>We have tried multiple ML models, as listed in the previous slide. Out of those, the following two models have performed the best:</a:t>
             </a:r>
           </a:p>
           <a:p>
@@ -7751,7 +7707,7 @@
             </a:pPr>
             <a:r>
               <a:rPr lang="en-US" sz="1800" cap="none" dirty="0"/>
-              <a:t>Random Forest With Default Parameters</a:t>
+              <a:t>Random Forest with default parameters</a:t>
             </a:r>
           </a:p>
           <a:p>
@@ -7761,25 +7717,29 @@
             </a:pPr>
             <a:r>
               <a:rPr lang="en-US" sz="1800" cap="none" dirty="0" err="1"/>
-              <a:t>XGboost</a:t>
+              <a:t>XGBoost</a:t>
             </a:r>
             <a:r>
               <a:rPr lang="en-US" sz="1800" cap="none" dirty="0"/>
-              <a:t> With Hyperparameter Tuning (Using GPU)</a:t>
+              <a:t> with hyperparameter tuning (using GPU)</a:t>
             </a:r>
           </a:p>
           <a:p>
             <a:pPr algn="l"/>
+            <a:endParaRPr lang="en-US" sz="1800" cap="none" dirty="0"/>
+          </a:p>
+          <a:p>
+            <a:pPr algn="l"/>
             <a:r>
               <a:rPr lang="en-US" sz="2000" b="1" cap="none" dirty="0"/>
-              <a:t>Final Chosen Model And Reasons For Selection:</a:t>
+              <a:t>Final chosen model and reasons for selection:</a:t>
             </a:r>
             <a:br>
               <a:rPr lang="en-US" sz="1800" cap="none" dirty="0"/>
             </a:br>
             <a:r>
               <a:rPr lang="en-US" sz="1800" cap="none" dirty="0"/>
-              <a:t>Upon Evaluating The Attached Performance Reports, We Observed:</a:t>
+              <a:t>upon evaluating the attached performance reports, we observed:</a:t>
             </a:r>
           </a:p>
           <a:p>
@@ -7789,7 +7749,7 @@
             </a:pPr>
             <a:r>
               <a:rPr lang="en-US" sz="1800" cap="none" dirty="0"/>
-              <a:t>An Accuracy Score Of 99.55%</a:t>
+              <a:t>An accuracy score of 99.56%</a:t>
             </a:r>
           </a:p>
           <a:p>
@@ -7799,15 +7759,15 @@
             </a:pPr>
             <a:r>
               <a:rPr lang="en-US" sz="1800" cap="none" dirty="0"/>
-              <a:t>The Least Number Of Missed Fraudulent Transactions (</a:t>
+              <a:t>The least number of missed fraudulent transactions (</a:t>
             </a:r>
             <a:r>
               <a:rPr lang="en-US" sz="1800" cap="none" dirty="0" err="1"/>
-              <a:t>Fns</a:t>
+              <a:t>fns</a:t>
             </a:r>
             <a:r>
               <a:rPr lang="en-US" sz="1800" cap="none" dirty="0"/>
-              <a:t>), Which Is Crucial For Minimizing Financial Losses</a:t>
+              <a:t>), which is crucial for minimizing financial losses</a:t>
             </a:r>
           </a:p>
           <a:p>
@@ -7817,27 +7777,107 @@
             </a:pPr>
             <a:r>
               <a:rPr lang="en-US" sz="1800" cap="none" dirty="0"/>
-              <a:t>A Lower Number Of Legitimate Transactions Flagged As Fraud (Fps), Enhancing Customer Experience And Reducing Operational Costs.</a:t>
+              <a:t>A lower number of legitimate transactions flagged as fraud (fps), enhancing customer experience and reducing operational costs.</a:t>
             </a:r>
           </a:p>
           <a:p>
             <a:pPr algn="l"/>
             <a:r>
               <a:rPr lang="en-US" sz="1800" cap="none" dirty="0"/>
-              <a:t>Based On These Evaluations, We Can Conclude That The Random Forest Model With Default Parameters Is The Most Accurate And Suitable Model For This </a:t>
-            </a:r>
-            <a:r>
-              <a:rPr lang="en-US" sz="1800" cap="none" dirty="0" err="1"/>
-              <a:t>Ml</a:t>
-            </a:r>
-            <a:r>
-              <a:rPr lang="en-US" sz="1800" cap="none" dirty="0"/>
-              <a:t> Classification Problem.</a:t>
+              <a:t>Based on these evaluations, we can conclude that the Random Forest model with default parameters is the most accurate and suitable model for this ML classification problem.</a:t>
             </a:r>
             <a:endParaRPr lang="en-IN" sz="1800" cap="none" dirty="0"/>
           </a:p>
         </p:txBody>
       </p:sp>
+      <p:pic>
+        <p:nvPicPr>
+          <p:cNvPr id="5" name="Picture 4">
+            <a:extLst>
+              <a:ext uri="{FF2B5EF4-FFF2-40B4-BE49-F238E27FC236}">
+                <a16:creationId xmlns:a16="http://schemas.microsoft.com/office/drawing/2014/main" id="{B99E3101-68A6-D129-BF17-456D6CD9F9FA}"/>
+              </a:ext>
+            </a:extLst>
+          </p:cNvPr>
+          <p:cNvPicPr>
+            <a:picLocks noChangeAspect="1"/>
+          </p:cNvPicPr>
+          <p:nvPr/>
+        </p:nvPicPr>
+        <p:blipFill>
+          <a:blip r:embed="rId2"/>
+          <a:stretch>
+            <a:fillRect/>
+          </a:stretch>
+        </p:blipFill>
+        <p:spPr>
+          <a:xfrm>
+            <a:off x="8518996" y="1313838"/>
+            <a:ext cx="3421625" cy="2603196"/>
+          </a:xfrm>
+          <a:prstGeom prst="rect">
+            <a:avLst/>
+          </a:prstGeom>
+          <a:solidFill>
+            <a:srgbClr val="FFFFFF">
+              <a:shade val="85000"/>
+            </a:srgbClr>
+          </a:solidFill>
+          <a:ln w="88900" cap="sq">
+            <a:noFill/>
+            <a:miter lim="800000"/>
+          </a:ln>
+          <a:effectLst>
+            <a:outerShdw blurRad="55000" dist="18000" dir="5400000" algn="tl" rotWithShape="0">
+              <a:srgbClr val="000000">
+                <a:alpha val="40000"/>
+              </a:srgbClr>
+            </a:outerShdw>
+          </a:effectLst>
+          <a:scene3d>
+            <a:camera prst="orthographicFront"/>
+            <a:lightRig rig="twoPt" dir="t">
+              <a:rot lat="0" lon="0" rev="7200000"/>
+            </a:lightRig>
+          </a:scene3d>
+          <a:sp3d>
+            <a:bevelT w="25400" h="19050"/>
+            <a:contourClr>
+              <a:srgbClr val="FFFFFF"/>
+            </a:contourClr>
+          </a:sp3d>
+        </p:spPr>
+      </p:pic>
+      <p:pic>
+        <p:nvPicPr>
+          <p:cNvPr id="7" name="Picture 6">
+            <a:extLst>
+              <a:ext uri="{FF2B5EF4-FFF2-40B4-BE49-F238E27FC236}">
+                <a16:creationId xmlns:a16="http://schemas.microsoft.com/office/drawing/2014/main" id="{5ECD47A0-3CD6-5704-5368-29B066B1CD06}"/>
+              </a:ext>
+            </a:extLst>
+          </p:cNvPr>
+          <p:cNvPicPr>
+            <a:picLocks noChangeAspect="1"/>
+          </p:cNvPicPr>
+          <p:nvPr/>
+        </p:nvPicPr>
+        <p:blipFill>
+          <a:blip r:embed="rId3"/>
+          <a:stretch>
+            <a:fillRect/>
+          </a:stretch>
+        </p:blipFill>
+        <p:spPr>
+          <a:xfrm>
+            <a:off x="8518996" y="4099945"/>
+            <a:ext cx="3421626" cy="2603196"/>
+          </a:xfrm>
+          <a:prstGeom prst="rect">
+            <a:avLst/>
+          </a:prstGeom>
+        </p:spPr>
+      </p:pic>
     </p:spTree>
     <p:extLst>
       <p:ext uri="{BB962C8B-B14F-4D97-AF65-F5344CB8AC3E}">
